--- a/assets/Design/Presentation/presentation.pptx
+++ b/assets/Design/Presentation/presentation.pptx
@@ -6,23 +6,22 @@
   </p:sldMasterIdLst>
   <p:sldIdLst>
     <p:sldId id="256" r:id="rId2"/>
-    <p:sldId id="257" r:id="rId3"/>
-    <p:sldId id="261" r:id="rId4"/>
-    <p:sldId id="262" r:id="rId5"/>
-    <p:sldId id="269" r:id="rId6"/>
-    <p:sldId id="263" r:id="rId7"/>
-    <p:sldId id="264" r:id="rId8"/>
-    <p:sldId id="266" r:id="rId9"/>
-    <p:sldId id="271" r:id="rId10"/>
-    <p:sldId id="268" r:id="rId11"/>
-    <p:sldId id="281" r:id="rId12"/>
-    <p:sldId id="273" r:id="rId13"/>
-    <p:sldId id="279" r:id="rId14"/>
-    <p:sldId id="278" r:id="rId15"/>
-    <p:sldId id="276" r:id="rId16"/>
-    <p:sldId id="274" r:id="rId17"/>
-    <p:sldId id="282" r:id="rId18"/>
-    <p:sldId id="283" r:id="rId19"/>
+    <p:sldId id="261" r:id="rId3"/>
+    <p:sldId id="262" r:id="rId4"/>
+    <p:sldId id="269" r:id="rId5"/>
+    <p:sldId id="263" r:id="rId6"/>
+    <p:sldId id="264" r:id="rId7"/>
+    <p:sldId id="266" r:id="rId8"/>
+    <p:sldId id="271" r:id="rId9"/>
+    <p:sldId id="268" r:id="rId10"/>
+    <p:sldId id="281" r:id="rId11"/>
+    <p:sldId id="273" r:id="rId12"/>
+    <p:sldId id="279" r:id="rId13"/>
+    <p:sldId id="278" r:id="rId14"/>
+    <p:sldId id="276" r:id="rId15"/>
+    <p:sldId id="274" r:id="rId16"/>
+    <p:sldId id="282" r:id="rId17"/>
+    <p:sldId id="283" r:id="rId18"/>
   </p:sldIdLst>
   <p:sldSz cx="12192000" cy="6858000"/>
   <p:notesSz cx="6858000" cy="9144000"/>
@@ -121,6 +120,11 @@
       </a:defRPr>
     </a:lvl9pPr>
   </p:defaultTextStyle>
+  <p:extLst>
+    <p:ext uri="{EFAFB233-063F-42B5-8137-9DF3F51BA10A}">
+      <p15:sldGuideLst xmlns:p15="http://schemas.microsoft.com/office/powerpoint/2012/main"/>
+    </p:ext>
+  </p:extLst>
 </p:presentation>
 </file>
 
@@ -256,7 +260,7 @@
             <a:fld id="{5586B75A-687E-405C-8A0B-8D00578BA2C3}" type="datetimeFigureOut">
               <a:rPr lang="en-US" smtClean="0"/>
               <a:pPr/>
-              <a:t>10/4/2014</a:t>
+              <a:t>10/5/2014</a:t>
             </a:fld>
             <a:endParaRPr lang="en-US" dirty="0"/>
           </a:p>
@@ -427,7 +431,7 @@
           <a:p>
             <a:fld id="{5F4E5243-F52A-4D37-9694-EB26C6C31910}" type="datetimeFigureOut">
               <a:rPr lang="en-US" smtClean="0"/>
-              <a:t>10/4/2014</a:t>
+              <a:t>10/5/2014</a:t>
             </a:fld>
             <a:endParaRPr lang="en-US" dirty="0"/>
           </a:p>
@@ -607,7 +611,7 @@
           <a:p>
             <a:fld id="{3A77B6E1-634A-48DC-9E8B-D894023267EF}" type="datetimeFigureOut">
               <a:rPr lang="en-US" smtClean="0"/>
-              <a:t>10/4/2014</a:t>
+              <a:t>10/5/2014</a:t>
             </a:fld>
             <a:endParaRPr lang="en-US" dirty="0"/>
           </a:p>
@@ -777,7 +781,7 @@
           <a:p>
             <a:fld id="{7B2D3E9E-A95C-48F2-B4BF-A71542E0BE9A}" type="datetimeFigureOut">
               <a:rPr lang="en-US" smtClean="0"/>
-              <a:t>10/4/2014</a:t>
+              <a:t>10/5/2014</a:t>
             </a:fld>
             <a:endParaRPr lang="en-US" dirty="0"/>
           </a:p>
@@ -1024,7 +1028,7 @@
             <a:fld id="{5586B75A-687E-405C-8A0B-8D00578BA2C3}" type="datetimeFigureOut">
               <a:rPr lang="en-US" smtClean="0"/>
               <a:pPr/>
-              <a:t>10/4/2014</a:t>
+              <a:t>10/5/2014</a:t>
             </a:fld>
             <a:endParaRPr lang="en-US" dirty="0"/>
           </a:p>
@@ -1257,7 +1261,7 @@
           <a:p>
             <a:fld id="{F12952B5-7A2F-4CC8-B7CE-9234E21C2837}" type="datetimeFigureOut">
               <a:rPr lang="en-US" smtClean="0"/>
-              <a:t>10/4/2014</a:t>
+              <a:t>10/5/2014</a:t>
             </a:fld>
             <a:endParaRPr lang="en-US" dirty="0"/>
           </a:p>
@@ -1624,7 +1628,7 @@
           <a:p>
             <a:fld id="{CE1DA07A-9201-4B4B-BAF2-015AFA30F520}" type="datetimeFigureOut">
               <a:rPr lang="en-US" smtClean="0"/>
-              <a:t>10/4/2014</a:t>
+              <a:t>10/5/2014</a:t>
             </a:fld>
             <a:endParaRPr lang="en-US" dirty="0"/>
           </a:p>
@@ -1742,7 +1746,7 @@
           <a:p>
             <a:fld id="{73D7E00A-486F-4252-8B1D-E32645521F49}" type="datetimeFigureOut">
               <a:rPr lang="en-US" smtClean="0"/>
-              <a:t>10/4/2014</a:t>
+              <a:t>10/5/2014</a:t>
             </a:fld>
             <a:endParaRPr lang="en-US" dirty="0"/>
           </a:p>
@@ -1837,7 +1841,7 @@
           <a:p>
             <a:fld id="{8DDF5F92-E675-4B36-9A60-69A962A68675}" type="datetimeFigureOut">
               <a:rPr lang="en-US" smtClean="0"/>
-              <a:t>10/4/2014</a:t>
+              <a:t>10/5/2014</a:t>
             </a:fld>
             <a:endParaRPr lang="en-US" dirty="0"/>
           </a:p>
@@ -2114,7 +2118,7 @@
           <a:p>
             <a:fld id="{AF6E2C9B-5FA2-460D-9BE7-B0812FC2A6FF}" type="datetimeFigureOut">
               <a:rPr lang="en-US" smtClean="0"/>
-              <a:t>10/4/2014</a:t>
+              <a:t>10/5/2014</a:t>
             </a:fld>
             <a:endParaRPr lang="en-US" dirty="0"/>
           </a:p>
@@ -2369,7 +2373,7 @@
             <a:fld id="{5586B75A-687E-405C-8A0B-8D00578BA2C3}" type="datetimeFigureOut">
               <a:rPr lang="en-US" smtClean="0"/>
               <a:pPr/>
-              <a:t>10/4/2014</a:t>
+              <a:t>10/5/2014</a:t>
             </a:fld>
             <a:endParaRPr lang="en-US" dirty="0"/>
           </a:p>
@@ -2587,7 +2591,7 @@
             <a:fld id="{5586B75A-687E-405C-8A0B-8D00578BA2C3}" type="datetimeFigureOut">
               <a:rPr lang="en-US" smtClean="0"/>
               <a:pPr/>
-              <a:t>10/4/2014</a:t>
+              <a:t>10/5/2014</a:t>
             </a:fld>
             <a:endParaRPr lang="en-US" dirty="0"/>
           </a:p>
@@ -3093,416 +3097,6 @@
       </p:grpSpPr>
       <p:sp>
         <p:nvSpPr>
-          <p:cNvPr id="3" name="Title 1"/>
-          <p:cNvSpPr txBox="1">
-            <a:spLocks/>
-          </p:cNvSpPr>
-          <p:nvPr/>
-        </p:nvSpPr>
-        <p:spPr>
-          <a:xfrm>
-            <a:off x="838200" y="288760"/>
-            <a:ext cx="10515600" cy="661736"/>
-          </a:xfrm>
-          <a:prstGeom prst="rect">
-            <a:avLst/>
-          </a:prstGeom>
-        </p:spPr>
-        <p:txBody>
-          <a:bodyPr vert="horz" lIns="91440" tIns="45720" rIns="91440" bIns="45720" rtlCol="0" anchor="ctr">
-            <a:noAutofit/>
-          </a:bodyPr>
-          <a:lstStyle>
-            <a:lvl1pPr algn="l" defTabSz="914400" rtl="0" eaLnBrk="1" latinLnBrk="0" hangingPunct="1">
-              <a:lnSpc>
-                <a:spcPct val="90000"/>
-              </a:lnSpc>
-              <a:spcBef>
-                <a:spcPct val="0"/>
-              </a:spcBef>
-              <a:buNone/>
-              <a:defRPr sz="4400" kern="1200">
-                <a:solidFill>
-                  <a:schemeClr val="tx1"/>
-                </a:solidFill>
-                <a:latin typeface="+mj-lt"/>
-                <a:ea typeface="+mj-ea"/>
-                <a:cs typeface="+mj-cs"/>
-              </a:defRPr>
-            </a:lvl1pPr>
-          </a:lstStyle>
-          <a:p>
-            <a:r>
-              <a:rPr lang="en-US" sz="4800" dirty="0" smtClean="0">
-                <a:ea typeface="ONRAMP" pitchFamily="2" charset="0"/>
-              </a:rPr>
-              <a:t>Organizing Tournaments Now</a:t>
-            </a:r>
-            <a:endParaRPr lang="en-US" sz="4800" dirty="0" smtClean="0">
-              <a:ea typeface="ONRAMP" pitchFamily="2" charset="0"/>
-            </a:endParaRPr>
-          </a:p>
-        </p:txBody>
-      </p:sp>
-      <p:pic>
-        <p:nvPicPr>
-          <p:cNvPr id="4" name="Picture 3"/>
-          <p:cNvPicPr>
-            <a:picLocks noChangeAspect="1"/>
-          </p:cNvPicPr>
-          <p:nvPr/>
-        </p:nvPicPr>
-        <p:blipFill>
-          <a:blip r:embed="rId2">
-            <a:extLst>
-              <a:ext uri="{28A0092B-C50C-407E-A947-70E740481C1C}">
-                <a14:useLocalDpi xmlns:a14="http://schemas.microsoft.com/office/drawing/2010/main" val="0"/>
-              </a:ext>
-            </a:extLst>
-          </a:blip>
-          <a:stretch>
-            <a:fillRect/>
-          </a:stretch>
-        </p:blipFill>
-        <p:spPr>
-          <a:xfrm>
-            <a:off x="834190" y="1359570"/>
-            <a:ext cx="1860884" cy="1395663"/>
-          </a:xfrm>
-          <a:prstGeom prst="rect">
-            <a:avLst/>
-          </a:prstGeom>
-        </p:spPr>
-      </p:pic>
-      <p:sp>
-        <p:nvSpPr>
-          <p:cNvPr id="5" name="TextBox 4"/>
-          <p:cNvSpPr txBox="1"/>
-          <p:nvPr/>
-        </p:nvSpPr>
-        <p:spPr>
-          <a:xfrm>
-            <a:off x="1461837" y="2755233"/>
-            <a:ext cx="613610" cy="369332"/>
-          </a:xfrm>
-          <a:prstGeom prst="rect">
-            <a:avLst/>
-          </a:prstGeom>
-          <a:noFill/>
-        </p:spPr>
-        <p:txBody>
-          <a:bodyPr wrap="square" rtlCol="0">
-            <a:spAutoFit/>
-          </a:bodyPr>
-          <a:lstStyle/>
-          <a:p>
-            <a:r>
-              <a:rPr lang="en-US" dirty="0" smtClean="0"/>
-              <a:t>Host</a:t>
-            </a:r>
-            <a:endParaRPr lang="en-US" dirty="0"/>
-          </a:p>
-        </p:txBody>
-      </p:sp>
-      <p:sp>
-        <p:nvSpPr>
-          <p:cNvPr id="14" name="Right Arrow 13"/>
-          <p:cNvSpPr/>
-          <p:nvPr/>
-        </p:nvSpPr>
-        <p:spPr>
-          <a:xfrm>
-            <a:off x="2550694" y="1748773"/>
-            <a:ext cx="2610853" cy="794084"/>
-          </a:xfrm>
-          <a:prstGeom prst="rightArrow">
-            <a:avLst/>
-          </a:prstGeom>
-        </p:spPr>
-        <p:style>
-          <a:lnRef idx="2">
-            <a:schemeClr val="accent1">
-              <a:shade val="50000"/>
-            </a:schemeClr>
-          </a:lnRef>
-          <a:fillRef idx="1">
-            <a:schemeClr val="accent1"/>
-          </a:fillRef>
-          <a:effectRef idx="0">
-            <a:schemeClr val="accent1"/>
-          </a:effectRef>
-          <a:fontRef idx="minor">
-            <a:schemeClr val="lt1"/>
-          </a:fontRef>
-        </p:style>
-        <p:txBody>
-          <a:bodyPr rtlCol="0" anchor="ctr"/>
-          <a:lstStyle/>
-          <a:p>
-            <a:pPr algn="ctr"/>
-            <a:endParaRPr lang="en-US"/>
-          </a:p>
-        </p:txBody>
-      </p:sp>
-      <p:sp>
-        <p:nvSpPr>
-          <p:cNvPr id="15" name="TextBox 14"/>
-          <p:cNvSpPr txBox="1"/>
-          <p:nvPr/>
-        </p:nvSpPr>
-        <p:spPr>
-          <a:xfrm>
-            <a:off x="2722145" y="2455722"/>
-            <a:ext cx="2093494" cy="646331"/>
-          </a:xfrm>
-          <a:prstGeom prst="rect">
-            <a:avLst/>
-          </a:prstGeom>
-          <a:noFill/>
-        </p:spPr>
-        <p:txBody>
-          <a:bodyPr wrap="square" rtlCol="0">
-            <a:spAutoFit/>
-          </a:bodyPr>
-          <a:lstStyle/>
-          <a:p>
-            <a:r>
-              <a:rPr lang="en-US" dirty="0" smtClean="0"/>
-              <a:t>Manual prizing to winners</a:t>
-            </a:r>
-            <a:endParaRPr lang="en-US" dirty="0"/>
-          </a:p>
-        </p:txBody>
-      </p:sp>
-      <p:pic>
-        <p:nvPicPr>
-          <p:cNvPr id="16" name="Picture 15"/>
-          <p:cNvPicPr>
-            <a:picLocks noChangeAspect="1"/>
-          </p:cNvPicPr>
-          <p:nvPr/>
-        </p:nvPicPr>
-        <p:blipFill rotWithShape="1">
-          <a:blip r:embed="rId3">
-            <a:extLst>
-              <a:ext uri="{28A0092B-C50C-407E-A947-70E740481C1C}">
-                <a14:useLocalDpi xmlns:a14="http://schemas.microsoft.com/office/drawing/2010/main" val="0"/>
-              </a:ext>
-            </a:extLst>
-          </a:blip>
-          <a:srcRect l="11324" t="41003" r="6065" b="24839"/>
-          <a:stretch/>
-        </p:blipFill>
-        <p:spPr>
-          <a:xfrm>
-            <a:off x="5317958" y="1311442"/>
-            <a:ext cx="5354053" cy="1660358"/>
-          </a:xfrm>
-          <a:prstGeom prst="rect">
-            <a:avLst/>
-          </a:prstGeom>
-        </p:spPr>
-      </p:pic>
-      <p:sp>
-        <p:nvSpPr>
-          <p:cNvPr id="17" name="TextBox 16"/>
-          <p:cNvSpPr txBox="1"/>
-          <p:nvPr/>
-        </p:nvSpPr>
-        <p:spPr>
-          <a:xfrm>
-            <a:off x="7555831" y="2787134"/>
-            <a:ext cx="878305" cy="369332"/>
-          </a:xfrm>
-          <a:prstGeom prst="rect">
-            <a:avLst/>
-          </a:prstGeom>
-          <a:noFill/>
-        </p:spPr>
-        <p:txBody>
-          <a:bodyPr wrap="square" rtlCol="0">
-            <a:spAutoFit/>
-          </a:bodyPr>
-          <a:lstStyle/>
-          <a:p>
-            <a:r>
-              <a:rPr lang="en-US" dirty="0" smtClean="0"/>
-              <a:t>Players</a:t>
-            </a:r>
-            <a:endParaRPr lang="en-US" dirty="0"/>
-          </a:p>
-        </p:txBody>
-      </p:sp>
-      <p:pic>
-        <p:nvPicPr>
-          <p:cNvPr id="19" name="Picture 18"/>
-          <p:cNvPicPr>
-            <a:picLocks noChangeAspect="1"/>
-          </p:cNvPicPr>
-          <p:nvPr/>
-        </p:nvPicPr>
-        <p:blipFill>
-          <a:blip r:embed="rId4">
-            <a:extLst>
-              <a:ext uri="{28A0092B-C50C-407E-A947-70E740481C1C}">
-                <a14:useLocalDpi xmlns:a14="http://schemas.microsoft.com/office/drawing/2010/main" val="0"/>
-              </a:ext>
-            </a:extLst>
-          </a:blip>
-          <a:stretch>
-            <a:fillRect/>
-          </a:stretch>
-        </p:blipFill>
-        <p:spPr>
-          <a:xfrm>
-            <a:off x="1073817" y="4661687"/>
-            <a:ext cx="1476877" cy="1476877"/>
-          </a:xfrm>
-          <a:prstGeom prst="rect">
-            <a:avLst/>
-          </a:prstGeom>
-        </p:spPr>
-      </p:pic>
-      <p:sp>
-        <p:nvSpPr>
-          <p:cNvPr id="20" name="TextBox 19"/>
-          <p:cNvSpPr txBox="1"/>
-          <p:nvPr/>
-        </p:nvSpPr>
-        <p:spPr>
-          <a:xfrm>
-            <a:off x="1073817" y="6186873"/>
-            <a:ext cx="1476877" cy="369332"/>
-          </a:xfrm>
-          <a:prstGeom prst="rect">
-            <a:avLst/>
-          </a:prstGeom>
-          <a:noFill/>
-        </p:spPr>
-        <p:txBody>
-          <a:bodyPr wrap="square" rtlCol="0">
-            <a:spAutoFit/>
-          </a:bodyPr>
-          <a:lstStyle/>
-          <a:p>
-            <a:pPr algn="ctr"/>
-            <a:r>
-              <a:rPr lang="en-US" dirty="0" smtClean="0"/>
-              <a:t>Database</a:t>
-            </a:r>
-            <a:endParaRPr lang="en-US" dirty="0"/>
-          </a:p>
-        </p:txBody>
-      </p:sp>
-      <p:sp>
-        <p:nvSpPr>
-          <p:cNvPr id="21" name="Down Arrow 20"/>
-          <p:cNvSpPr/>
-          <p:nvPr/>
-        </p:nvSpPr>
-        <p:spPr>
-          <a:xfrm rot="10800000">
-            <a:off x="1425743" y="3164307"/>
-            <a:ext cx="649704" cy="1287379"/>
-          </a:xfrm>
-          <a:prstGeom prst="downArrow">
-            <a:avLst/>
-          </a:prstGeom>
-        </p:spPr>
-        <p:style>
-          <a:lnRef idx="2">
-            <a:schemeClr val="accent1">
-              <a:shade val="50000"/>
-            </a:schemeClr>
-          </a:lnRef>
-          <a:fillRef idx="1">
-            <a:schemeClr val="accent1"/>
-          </a:fillRef>
-          <a:effectRef idx="0">
-            <a:schemeClr val="accent1"/>
-          </a:effectRef>
-          <a:fontRef idx="minor">
-            <a:schemeClr val="lt1"/>
-          </a:fontRef>
-        </p:style>
-        <p:txBody>
-          <a:bodyPr rtlCol="0" anchor="ctr"/>
-          <a:lstStyle/>
-          <a:p>
-            <a:pPr algn="ctr"/>
-            <a:endParaRPr lang="en-US"/>
-          </a:p>
-        </p:txBody>
-      </p:sp>
-      <p:sp>
-        <p:nvSpPr>
-          <p:cNvPr id="12" name="TextBox 11"/>
-          <p:cNvSpPr txBox="1"/>
-          <p:nvPr/>
-        </p:nvSpPr>
-        <p:spPr>
-          <a:xfrm>
-            <a:off x="2201778" y="3708460"/>
-            <a:ext cx="2165685" cy="369332"/>
-          </a:xfrm>
-          <a:prstGeom prst="rect">
-            <a:avLst/>
-          </a:prstGeom>
-          <a:noFill/>
-        </p:spPr>
-        <p:txBody>
-          <a:bodyPr wrap="square" rtlCol="0">
-            <a:spAutoFit/>
-          </a:bodyPr>
-          <a:lstStyle/>
-          <a:p>
-            <a:r>
-              <a:rPr lang="en-US" dirty="0" smtClean="0"/>
-              <a:t>Determines rankings</a:t>
-            </a:r>
-            <a:endParaRPr lang="en-US" dirty="0"/>
-          </a:p>
-        </p:txBody>
-      </p:sp>
-    </p:spTree>
-    <p:extLst>
-      <p:ext uri="{BB962C8B-B14F-4D97-AF65-F5344CB8AC3E}">
-        <p14:creationId xmlns:p14="http://schemas.microsoft.com/office/powerpoint/2010/main" val="1279319961"/>
-      </p:ext>
-    </p:extLst>
-  </p:cSld>
-  <p:clrMapOvr>
-    <a:masterClrMapping/>
-  </p:clrMapOvr>
-  <p:timing>
-    <p:tnLst>
-      <p:par>
-        <p:cTn id="1" dur="indefinite" restart="never" nodeType="tmRoot"/>
-      </p:par>
-    </p:tnLst>
-  </p:timing>
-</p:sld>
-</file>
-
-<file path=ppt/slides/slide11.xml><?xml version="1.0" encoding="utf-8"?>
-<p:sld xmlns:a="http://schemas.openxmlformats.org/drawingml/2006/main" xmlns:r="http://schemas.openxmlformats.org/officeDocument/2006/relationships" xmlns:p="http://schemas.openxmlformats.org/presentationml/2006/main">
-  <p:cSld>
-    <p:spTree>
-      <p:nvGrpSpPr>
-        <p:cNvPr id="1" name=""/>
-        <p:cNvGrpSpPr/>
-        <p:nvPr/>
-      </p:nvGrpSpPr>
-      <p:grpSpPr>
-        <a:xfrm>
-          <a:off x="0" y="0"/>
-          <a:ext cx="0" cy="0"/>
-          <a:chOff x="0" y="0"/>
-          <a:chExt cx="0" cy="0"/>
-        </a:xfrm>
-      </p:grpSpPr>
-      <p:sp>
-        <p:nvSpPr>
           <p:cNvPr id="2" name="TextBox 1"/>
           <p:cNvSpPr txBox="1"/>
           <p:nvPr/>
@@ -3591,7 +3185,7 @@
 </p:sld>
 </file>
 
-<file path=ppt/slides/slide12.xml><?xml version="1.0" encoding="utf-8"?>
+<file path=ppt/slides/slide11.xml><?xml version="1.0" encoding="utf-8"?>
 <p:sld xmlns:a="http://schemas.openxmlformats.org/drawingml/2006/main" xmlns:r="http://schemas.openxmlformats.org/officeDocument/2006/relationships" xmlns:p="http://schemas.openxmlformats.org/presentationml/2006/main">
   <p:cSld>
     <p:spTree>
@@ -3951,7 +3545,7 @@
 </p:sld>
 </file>
 
-<file path=ppt/slides/slide13.xml><?xml version="1.0" encoding="utf-8"?>
+<file path=ppt/slides/slide12.xml><?xml version="1.0" encoding="utf-8"?>
 <p:sld xmlns:a="http://schemas.openxmlformats.org/drawingml/2006/main" xmlns:r="http://schemas.openxmlformats.org/officeDocument/2006/relationships" xmlns:p="http://schemas.openxmlformats.org/presentationml/2006/main">
   <p:cSld>
     <p:spTree>
@@ -4382,7 +3976,7 @@
 </p:sld>
 </file>
 
-<file path=ppt/slides/slide14.xml><?xml version="1.0" encoding="utf-8"?>
+<file path=ppt/slides/slide13.xml><?xml version="1.0" encoding="utf-8"?>
 <p:sld xmlns:a="http://schemas.openxmlformats.org/drawingml/2006/main" xmlns:r="http://schemas.openxmlformats.org/officeDocument/2006/relationships" xmlns:p="http://schemas.openxmlformats.org/presentationml/2006/main">
   <p:cSld>
     <p:spTree>
@@ -4814,7 +4408,7 @@
 </p:sld>
 </file>
 
-<file path=ppt/slides/slide15.xml><?xml version="1.0" encoding="utf-8"?>
+<file path=ppt/slides/slide14.xml><?xml version="1.0" encoding="utf-8"?>
 <p:sld xmlns:a="http://schemas.openxmlformats.org/drawingml/2006/main" xmlns:r="http://schemas.openxmlformats.org/officeDocument/2006/relationships" xmlns:p="http://schemas.openxmlformats.org/presentationml/2006/main">
   <p:cSld>
     <p:spTree>
@@ -5326,7 +4920,7 @@
 </p:sld>
 </file>
 
-<file path=ppt/slides/slide16.xml><?xml version="1.0" encoding="utf-8"?>
+<file path=ppt/slides/slide15.xml><?xml version="1.0" encoding="utf-8"?>
 <p:sld xmlns:a="http://schemas.openxmlformats.org/drawingml/2006/main" xmlns:r="http://schemas.openxmlformats.org/officeDocument/2006/relationships" xmlns:p="http://schemas.openxmlformats.org/presentationml/2006/main">
   <p:cSld>
     <p:spTree>
@@ -5690,7 +5284,7 @@
 </p:sld>
 </file>
 
-<file path=ppt/slides/slide17.xml><?xml version="1.0" encoding="utf-8"?>
+<file path=ppt/slides/slide16.xml><?xml version="1.0" encoding="utf-8"?>
 <p:sld xmlns:a="http://schemas.openxmlformats.org/drawingml/2006/main" xmlns:r="http://schemas.openxmlformats.org/officeDocument/2006/relationships" xmlns:p="http://schemas.openxmlformats.org/presentationml/2006/main">
   <p:cSld>
     <p:spTree>
@@ -5754,9 +5348,6 @@
               </a:rPr>
               <a:t>How it works</a:t>
             </a:r>
-            <a:endParaRPr lang="en-US" sz="4800" dirty="0" smtClean="0">
-              <a:ea typeface="ONRAMP" pitchFamily="2" charset="0"/>
-            </a:endParaRPr>
           </a:p>
         </p:txBody>
       </p:sp>
@@ -6075,7 +5666,7 @@
 </p:sld>
 </file>
 
-<file path=ppt/slides/slide18.xml><?xml version="1.0" encoding="utf-8"?>
+<file path=ppt/slides/slide17.xml><?xml version="1.0" encoding="utf-8"?>
 <p:sld xmlns:a="http://schemas.openxmlformats.org/drawingml/2006/main" xmlns:r="http://schemas.openxmlformats.org/officeDocument/2006/relationships" xmlns:p="http://schemas.openxmlformats.org/presentationml/2006/main">
   <p:cSld>
     <p:spTree>
@@ -6182,6 +5773,40 @@
           <a:chExt cx="0" cy="0"/>
         </a:xfrm>
       </p:grpSpPr>
+      <p:sp>
+        <p:nvSpPr>
+          <p:cNvPr id="2" name="Title 1"/>
+          <p:cNvSpPr>
+            <a:spLocks noGrp="1"/>
+          </p:cNvSpPr>
+          <p:nvPr>
+            <p:ph type="title"/>
+          </p:nvPr>
+        </p:nvSpPr>
+        <p:spPr>
+          <a:xfrm>
+            <a:off x="838200" y="288760"/>
+            <a:ext cx="10515600" cy="661736"/>
+          </a:xfrm>
+        </p:spPr>
+        <p:txBody>
+          <a:bodyPr>
+            <a:noAutofit/>
+          </a:bodyPr>
+          <a:lstStyle/>
+          <a:p>
+            <a:r>
+              <a:rPr lang="en-US" sz="4800" dirty="0" smtClean="0">
+                <a:ea typeface="ONRAMP" pitchFamily="2" charset="0"/>
+              </a:rPr>
+              <a:t>Inspiration</a:t>
+            </a:r>
+            <a:endParaRPr lang="en-US" sz="4800" dirty="0">
+              <a:ea typeface="ONRAMP" pitchFamily="2" charset="0"/>
+            </a:endParaRPr>
+          </a:p>
+        </p:txBody>
+      </p:sp>
       <p:pic>
         <p:nvPicPr>
           <p:cNvPr id="4" name="Picture 3"/>
@@ -6204,38 +5829,8 @@
         </p:blipFill>
         <p:spPr>
           <a:xfrm>
-            <a:off x="1319516" y="740780"/>
-            <a:ext cx="3096374" cy="4681960"/>
-          </a:xfrm>
-          <a:prstGeom prst="rect">
-            <a:avLst/>
-          </a:prstGeom>
-        </p:spPr>
-      </p:pic>
-      <p:pic>
-        <p:nvPicPr>
-          <p:cNvPr id="5" name="Picture 4"/>
-          <p:cNvPicPr>
-            <a:picLocks noChangeAspect="1"/>
-          </p:cNvPicPr>
-          <p:nvPr/>
-        </p:nvPicPr>
-        <p:blipFill>
-          <a:blip r:embed="rId3">
-            <a:extLst>
-              <a:ext uri="{28A0092B-C50C-407E-A947-70E740481C1C}">
-                <a14:useLocalDpi xmlns:a14="http://schemas.microsoft.com/office/drawing/2010/main" val="0"/>
-              </a:ext>
-            </a:extLst>
-          </a:blip>
-          <a:stretch>
-            <a:fillRect/>
-          </a:stretch>
-        </p:blipFill>
-        <p:spPr>
-          <a:xfrm>
-            <a:off x="5266468" y="3035460"/>
-            <a:ext cx="5660021" cy="931935"/>
+            <a:off x="2325829" y="1137241"/>
+            <a:ext cx="7540341" cy="5331892"/>
           </a:xfrm>
           <a:prstGeom prst="rect">
             <a:avLst/>
@@ -6245,7 +5840,7 @@
     </p:spTree>
     <p:extLst>
       <p:ext uri="{BB962C8B-B14F-4D97-AF65-F5344CB8AC3E}">
-        <p14:creationId xmlns:p14="http://schemas.microsoft.com/office/powerpoint/2010/main" val="3291673285"/>
+        <p14:creationId xmlns:p14="http://schemas.microsoft.com/office/powerpoint/2010/main" val="2120774728"/>
       </p:ext>
     </p:extLst>
   </p:cSld>
@@ -6281,35 +5876,51 @@
       </p:grpSpPr>
       <p:sp>
         <p:nvSpPr>
-          <p:cNvPr id="2" name="Title 1"/>
-          <p:cNvSpPr>
-            <a:spLocks noGrp="1"/>
+          <p:cNvPr id="3" name="Title 1"/>
+          <p:cNvSpPr txBox="1">
+            <a:spLocks/>
           </p:cNvSpPr>
-          <p:nvPr>
-            <p:ph type="title"/>
-          </p:nvPr>
+          <p:nvPr/>
         </p:nvSpPr>
         <p:spPr>
           <a:xfrm>
             <a:off x="838200" y="288760"/>
             <a:ext cx="10515600" cy="661736"/>
           </a:xfrm>
-        </p:spPr>
-        <p:txBody>
-          <a:bodyPr>
+          <a:prstGeom prst="rect">
+            <a:avLst/>
+          </a:prstGeom>
+        </p:spPr>
+        <p:txBody>
+          <a:bodyPr vert="horz" lIns="91440" tIns="45720" rIns="91440" bIns="45720" rtlCol="0" anchor="ctr">
             <a:noAutofit/>
           </a:bodyPr>
-          <a:lstStyle/>
-          <a:p>
-            <a:r>
-              <a:rPr lang="en-US" sz="4800" dirty="0" smtClean="0">
+          <a:lstStyle>
+            <a:lvl1pPr algn="l" defTabSz="914400" rtl="0" eaLnBrk="1" latinLnBrk="0" hangingPunct="1">
+              <a:lnSpc>
+                <a:spcPct val="90000"/>
+              </a:lnSpc>
+              <a:spcBef>
+                <a:spcPct val="0"/>
+              </a:spcBef>
+              <a:buNone/>
+              <a:defRPr sz="4400" kern="1200">
+                <a:solidFill>
+                  <a:schemeClr val="tx1"/>
+                </a:solidFill>
+                <a:latin typeface="+mj-lt"/>
+                <a:ea typeface="+mj-ea"/>
+                <a:cs typeface="+mj-cs"/>
+              </a:defRPr>
+            </a:lvl1pPr>
+          </a:lstStyle>
+          <a:p>
+            <a:r>
+              <a:rPr lang="en-US" sz="4800" dirty="0">
                 <a:ea typeface="ONRAMP" pitchFamily="2" charset="0"/>
               </a:rPr>
-              <a:t>Inspiration</a:t>
-            </a:r>
-            <a:endParaRPr lang="en-US" sz="4800" dirty="0">
-              <a:ea typeface="ONRAMP" pitchFamily="2" charset="0"/>
-            </a:endParaRPr>
+              <a:t>Organizing Tournaments Now</a:t>
+            </a:r>
           </a:p>
         </p:txBody>
       </p:sp>
@@ -6335,18 +5946,48 @@
         </p:blipFill>
         <p:spPr>
           <a:xfrm>
-            <a:off x="2325829" y="1137241"/>
-            <a:ext cx="7540341" cy="5331892"/>
+            <a:off x="834190" y="1359570"/>
+            <a:ext cx="1860884" cy="1395663"/>
           </a:xfrm>
           <a:prstGeom prst="rect">
             <a:avLst/>
           </a:prstGeom>
         </p:spPr>
       </p:pic>
+      <p:sp>
+        <p:nvSpPr>
+          <p:cNvPr id="5" name="TextBox 4"/>
+          <p:cNvSpPr txBox="1"/>
+          <p:nvPr/>
+        </p:nvSpPr>
+        <p:spPr>
+          <a:xfrm>
+            <a:off x="1461837" y="2755233"/>
+            <a:ext cx="613610" cy="369332"/>
+          </a:xfrm>
+          <a:prstGeom prst="rect">
+            <a:avLst/>
+          </a:prstGeom>
+          <a:noFill/>
+        </p:spPr>
+        <p:txBody>
+          <a:bodyPr wrap="square" rtlCol="0">
+            <a:spAutoFit/>
+          </a:bodyPr>
+          <a:lstStyle/>
+          <a:p>
+            <a:r>
+              <a:rPr lang="en-US" dirty="0" smtClean="0"/>
+              <a:t>Host</a:t>
+            </a:r>
+            <a:endParaRPr lang="en-US" dirty="0"/>
+          </a:p>
+        </p:txBody>
+      </p:sp>
     </p:spTree>
     <p:extLst>
       <p:ext uri="{BB962C8B-B14F-4D97-AF65-F5344CB8AC3E}">
-        <p14:creationId xmlns:p14="http://schemas.microsoft.com/office/powerpoint/2010/main" val="2120774728"/>
+        <p14:creationId xmlns:p14="http://schemas.microsoft.com/office/powerpoint/2010/main" val="4053332376"/>
       </p:ext>
     </p:extLst>
   </p:cSld>
@@ -6490,10 +6131,139 @@
           </a:p>
         </p:txBody>
       </p:sp>
+      <p:sp>
+        <p:nvSpPr>
+          <p:cNvPr id="14" name="Right Arrow 13"/>
+          <p:cNvSpPr/>
+          <p:nvPr/>
+        </p:nvSpPr>
+        <p:spPr>
+          <a:xfrm>
+            <a:off x="2550694" y="1748773"/>
+            <a:ext cx="2610853" cy="794084"/>
+          </a:xfrm>
+          <a:prstGeom prst="rightArrow">
+            <a:avLst/>
+          </a:prstGeom>
+        </p:spPr>
+        <p:style>
+          <a:lnRef idx="2">
+            <a:schemeClr val="accent1">
+              <a:shade val="50000"/>
+            </a:schemeClr>
+          </a:lnRef>
+          <a:fillRef idx="1">
+            <a:schemeClr val="accent1"/>
+          </a:fillRef>
+          <a:effectRef idx="0">
+            <a:schemeClr val="accent1"/>
+          </a:effectRef>
+          <a:fontRef idx="minor">
+            <a:schemeClr val="lt1"/>
+          </a:fontRef>
+        </p:style>
+        <p:txBody>
+          <a:bodyPr rtlCol="0" anchor="ctr"/>
+          <a:lstStyle/>
+          <a:p>
+            <a:pPr algn="ctr"/>
+            <a:endParaRPr lang="en-US"/>
+          </a:p>
+        </p:txBody>
+      </p:sp>
+      <p:sp>
+        <p:nvSpPr>
+          <p:cNvPr id="15" name="TextBox 14"/>
+          <p:cNvSpPr txBox="1"/>
+          <p:nvPr/>
+        </p:nvSpPr>
+        <p:spPr>
+          <a:xfrm>
+            <a:off x="2839453" y="2454442"/>
+            <a:ext cx="1744579" cy="369332"/>
+          </a:xfrm>
+          <a:prstGeom prst="rect">
+            <a:avLst/>
+          </a:prstGeom>
+          <a:noFill/>
+        </p:spPr>
+        <p:txBody>
+          <a:bodyPr wrap="square" rtlCol="0">
+            <a:spAutoFit/>
+          </a:bodyPr>
+          <a:lstStyle/>
+          <a:p>
+            <a:r>
+              <a:rPr lang="en-US" dirty="0" smtClean="0"/>
+              <a:t>Contacts Players</a:t>
+            </a:r>
+            <a:endParaRPr lang="en-US" dirty="0"/>
+          </a:p>
+        </p:txBody>
+      </p:sp>
+      <p:pic>
+        <p:nvPicPr>
+          <p:cNvPr id="16" name="Picture 15"/>
+          <p:cNvPicPr>
+            <a:picLocks noChangeAspect="1"/>
+          </p:cNvPicPr>
+          <p:nvPr/>
+        </p:nvPicPr>
+        <p:blipFill rotWithShape="1">
+          <a:blip r:embed="rId3">
+            <a:extLst>
+              <a:ext uri="{28A0092B-C50C-407E-A947-70E740481C1C}">
+                <a14:useLocalDpi xmlns:a14="http://schemas.microsoft.com/office/drawing/2010/main" val="0"/>
+              </a:ext>
+            </a:extLst>
+          </a:blip>
+          <a:srcRect l="11324" t="41003" r="6065" b="24839"/>
+          <a:stretch/>
+        </p:blipFill>
+        <p:spPr>
+          <a:xfrm>
+            <a:off x="5317958" y="1311442"/>
+            <a:ext cx="5354053" cy="1660358"/>
+          </a:xfrm>
+          <a:prstGeom prst="rect">
+            <a:avLst/>
+          </a:prstGeom>
+        </p:spPr>
+      </p:pic>
+      <p:sp>
+        <p:nvSpPr>
+          <p:cNvPr id="17" name="TextBox 16"/>
+          <p:cNvSpPr txBox="1"/>
+          <p:nvPr/>
+        </p:nvSpPr>
+        <p:spPr>
+          <a:xfrm>
+            <a:off x="7555831" y="2787134"/>
+            <a:ext cx="878305" cy="369332"/>
+          </a:xfrm>
+          <a:prstGeom prst="rect">
+            <a:avLst/>
+          </a:prstGeom>
+          <a:noFill/>
+        </p:spPr>
+        <p:txBody>
+          <a:bodyPr wrap="square" rtlCol="0">
+            <a:spAutoFit/>
+          </a:bodyPr>
+          <a:lstStyle/>
+          <a:p>
+            <a:r>
+              <a:rPr lang="en-US" dirty="0" smtClean="0"/>
+              <a:t>Players</a:t>
+            </a:r>
+            <a:endParaRPr lang="en-US" dirty="0"/>
+          </a:p>
+        </p:txBody>
+      </p:sp>
     </p:spTree>
     <p:extLst>
       <p:ext uri="{BB962C8B-B14F-4D97-AF65-F5344CB8AC3E}">
-        <p14:creationId xmlns:p14="http://schemas.microsoft.com/office/powerpoint/2010/main" val="4053332376"/>
+        <p14:creationId xmlns:p14="http://schemas.microsoft.com/office/powerpoint/2010/main" val="1465818872"/>
       </p:ext>
     </p:extLst>
   </p:cSld>
@@ -6569,7 +6339,7 @@
           </a:lstStyle>
           <a:p>
             <a:r>
-              <a:rPr lang="en-US" sz="4800" dirty="0">
+              <a:rPr lang="en-US" sz="4800" dirty="0" smtClean="0">
                 <a:ea typeface="ONRAMP" pitchFamily="2" charset="0"/>
               </a:rPr>
               <a:t>Organizing Tournaments Now</a:t>
@@ -6766,10 +6536,140 @@
           </a:p>
         </p:txBody>
       </p:sp>
+      <p:sp>
+        <p:nvSpPr>
+          <p:cNvPr id="2" name="Down Arrow 1"/>
+          <p:cNvSpPr/>
+          <p:nvPr/>
+        </p:nvSpPr>
+        <p:spPr>
+          <a:xfrm>
+            <a:off x="7670131" y="3160113"/>
+            <a:ext cx="649704" cy="1287379"/>
+          </a:xfrm>
+          <a:prstGeom prst="downArrow">
+            <a:avLst/>
+          </a:prstGeom>
+        </p:spPr>
+        <p:style>
+          <a:lnRef idx="2">
+            <a:schemeClr val="accent1">
+              <a:shade val="50000"/>
+            </a:schemeClr>
+          </a:lnRef>
+          <a:fillRef idx="1">
+            <a:schemeClr val="accent1"/>
+          </a:fillRef>
+          <a:effectRef idx="0">
+            <a:schemeClr val="accent1"/>
+          </a:effectRef>
+          <a:fontRef idx="minor">
+            <a:schemeClr val="lt1"/>
+          </a:fontRef>
+        </p:style>
+        <p:txBody>
+          <a:bodyPr rtlCol="0" anchor="ctr"/>
+          <a:lstStyle/>
+          <a:p>
+            <a:pPr algn="ctr"/>
+            <a:endParaRPr lang="en-US"/>
+          </a:p>
+        </p:txBody>
+      </p:sp>
+      <p:sp>
+        <p:nvSpPr>
+          <p:cNvPr id="6" name="TextBox 5"/>
+          <p:cNvSpPr txBox="1"/>
+          <p:nvPr/>
+        </p:nvSpPr>
+        <p:spPr>
+          <a:xfrm>
+            <a:off x="8434135" y="3619136"/>
+            <a:ext cx="2532649" cy="369332"/>
+          </a:xfrm>
+          <a:prstGeom prst="rect">
+            <a:avLst/>
+          </a:prstGeom>
+          <a:noFill/>
+        </p:spPr>
+        <p:txBody>
+          <a:bodyPr wrap="square" rtlCol="0">
+            <a:spAutoFit/>
+          </a:bodyPr>
+          <a:lstStyle/>
+          <a:p>
+            <a:r>
+              <a:rPr lang="en-US" dirty="0" smtClean="0"/>
+              <a:t>Signs up for tournament</a:t>
+            </a:r>
+            <a:endParaRPr lang="en-US" dirty="0"/>
+          </a:p>
+        </p:txBody>
+      </p:sp>
+      <p:pic>
+        <p:nvPicPr>
+          <p:cNvPr id="7" name="Picture 6"/>
+          <p:cNvPicPr>
+            <a:picLocks noChangeAspect="1"/>
+          </p:cNvPicPr>
+          <p:nvPr/>
+        </p:nvPicPr>
+        <p:blipFill rotWithShape="1">
+          <a:blip r:embed="rId4">
+            <a:extLst>
+              <a:ext uri="{28A0092B-C50C-407E-A947-70E740481C1C}">
+                <a14:useLocalDpi xmlns:a14="http://schemas.microsoft.com/office/drawing/2010/main" val="0"/>
+              </a:ext>
+            </a:extLst>
+          </a:blip>
+          <a:srcRect l="26448" t="43798" r="23684" b="3044"/>
+          <a:stretch/>
+        </p:blipFill>
+        <p:spPr>
+          <a:xfrm>
+            <a:off x="7055878" y="4632158"/>
+            <a:ext cx="1878209" cy="1501576"/>
+          </a:xfrm>
+          <a:prstGeom prst="rect">
+            <a:avLst/>
+          </a:prstGeom>
+        </p:spPr>
+      </p:pic>
+      <p:sp>
+        <p:nvSpPr>
+          <p:cNvPr id="8" name="TextBox 7"/>
+          <p:cNvSpPr txBox="1"/>
+          <p:nvPr/>
+        </p:nvSpPr>
+        <p:spPr>
+          <a:xfrm>
+            <a:off x="6987015" y="6133734"/>
+            <a:ext cx="2015933" cy="369332"/>
+          </a:xfrm>
+          <a:prstGeom prst="rect">
+            <a:avLst/>
+          </a:prstGeom>
+          <a:noFill/>
+        </p:spPr>
+        <p:txBody>
+          <a:bodyPr wrap="square" rtlCol="0">
+            <a:spAutoFit/>
+          </a:bodyPr>
+          <a:lstStyle/>
+          <a:p>
+            <a:pPr algn="ctr"/>
+            <a:r>
+              <a:rPr lang="en-US" dirty="0" smtClean="0"/>
+              <a:t>Registration</a:t>
+            </a:r>
+            <a:endParaRPr lang="en-US" dirty="0"/>
+          </a:p>
+        </p:txBody>
+      </p:sp>
     </p:spTree>
     <p:extLst>
       <p:ext uri="{BB962C8B-B14F-4D97-AF65-F5344CB8AC3E}">
-        <p14:creationId xmlns:p14="http://schemas.microsoft.com/office/powerpoint/2010/main" val="1465818872"/>
+        <p14:creationId xmlns:p14="http://schemas.microsoft.com/office/powerpoint/2010/main" val="1693018425"/>
       </p:ext>
     </p:extLst>
   </p:cSld>
@@ -6850,9 +6750,6 @@
               </a:rPr>
               <a:t>Organizing Tournaments Now</a:t>
             </a:r>
-            <a:endParaRPr lang="en-US" sz="4800" dirty="0" smtClean="0">
-              <a:ea typeface="ONRAMP" pitchFamily="2" charset="0"/>
-            </a:endParaRPr>
           </a:p>
         </p:txBody>
       </p:sp>
@@ -6916,18 +6813,137 @@
           </a:p>
         </p:txBody>
       </p:sp>
-      <p:sp>
-        <p:nvSpPr>
-          <p:cNvPr id="14" name="Right Arrow 13"/>
+      <p:pic>
+        <p:nvPicPr>
+          <p:cNvPr id="16" name="Picture 15"/>
+          <p:cNvPicPr>
+            <a:picLocks noChangeAspect="1"/>
+          </p:cNvPicPr>
+          <p:nvPr/>
+        </p:nvPicPr>
+        <p:blipFill rotWithShape="1">
+          <a:blip r:embed="rId3">
+            <a:extLst>
+              <a:ext uri="{28A0092B-C50C-407E-A947-70E740481C1C}">
+                <a14:useLocalDpi xmlns:a14="http://schemas.microsoft.com/office/drawing/2010/main" val="0"/>
+              </a:ext>
+            </a:extLst>
+          </a:blip>
+          <a:srcRect l="11324" t="41003" r="6065" b="24839"/>
+          <a:stretch/>
+        </p:blipFill>
+        <p:spPr>
+          <a:xfrm>
+            <a:off x="5317958" y="1311442"/>
+            <a:ext cx="5354053" cy="1660358"/>
+          </a:xfrm>
+          <a:prstGeom prst="rect">
+            <a:avLst/>
+          </a:prstGeom>
+        </p:spPr>
+      </p:pic>
+      <p:sp>
+        <p:nvSpPr>
+          <p:cNvPr id="17" name="TextBox 16"/>
+          <p:cNvSpPr txBox="1"/>
+          <p:nvPr/>
+        </p:nvSpPr>
+        <p:spPr>
+          <a:xfrm>
+            <a:off x="7555831" y="2787134"/>
+            <a:ext cx="878305" cy="369332"/>
+          </a:xfrm>
+          <a:prstGeom prst="rect">
+            <a:avLst/>
+          </a:prstGeom>
+          <a:noFill/>
+        </p:spPr>
+        <p:txBody>
+          <a:bodyPr wrap="square" rtlCol="0">
+            <a:spAutoFit/>
+          </a:bodyPr>
+          <a:lstStyle/>
+          <a:p>
+            <a:r>
+              <a:rPr lang="en-US" dirty="0" smtClean="0"/>
+              <a:t>Players</a:t>
+            </a:r>
+            <a:endParaRPr lang="en-US" dirty="0"/>
+          </a:p>
+        </p:txBody>
+      </p:sp>
+      <p:pic>
+        <p:nvPicPr>
+          <p:cNvPr id="7" name="Picture 6"/>
+          <p:cNvPicPr>
+            <a:picLocks noChangeAspect="1"/>
+          </p:cNvPicPr>
+          <p:nvPr/>
+        </p:nvPicPr>
+        <p:blipFill rotWithShape="1">
+          <a:blip r:embed="rId4">
+            <a:extLst>
+              <a:ext uri="{28A0092B-C50C-407E-A947-70E740481C1C}">
+                <a14:useLocalDpi xmlns:a14="http://schemas.microsoft.com/office/drawing/2010/main" val="0"/>
+              </a:ext>
+            </a:extLst>
+          </a:blip>
+          <a:srcRect l="26448" t="43798" r="23684" b="3044"/>
+          <a:stretch/>
+        </p:blipFill>
+        <p:spPr>
+          <a:xfrm>
+            <a:off x="7055878" y="4632158"/>
+            <a:ext cx="1878209" cy="1501576"/>
+          </a:xfrm>
+          <a:prstGeom prst="rect">
+            <a:avLst/>
+          </a:prstGeom>
+        </p:spPr>
+      </p:pic>
+      <p:sp>
+        <p:nvSpPr>
+          <p:cNvPr id="8" name="TextBox 7"/>
+          <p:cNvSpPr txBox="1"/>
+          <p:nvPr/>
+        </p:nvSpPr>
+        <p:spPr>
+          <a:xfrm>
+            <a:off x="6987015" y="6133734"/>
+            <a:ext cx="2015933" cy="369332"/>
+          </a:xfrm>
+          <a:prstGeom prst="rect">
+            <a:avLst/>
+          </a:prstGeom>
+          <a:noFill/>
+        </p:spPr>
+        <p:txBody>
+          <a:bodyPr wrap="square" rtlCol="0">
+            <a:spAutoFit/>
+          </a:bodyPr>
+          <a:lstStyle/>
+          <a:p>
+            <a:pPr algn="ctr"/>
+            <a:r>
+              <a:rPr lang="en-US" dirty="0" smtClean="0"/>
+              <a:t>Registration</a:t>
+            </a:r>
+            <a:endParaRPr lang="en-US" dirty="0"/>
+          </a:p>
+        </p:txBody>
+      </p:sp>
+      <p:sp>
+        <p:nvSpPr>
+          <p:cNvPr id="13" name="Down Arrow 12"/>
           <p:cNvSpPr/>
           <p:nvPr/>
         </p:nvSpPr>
         <p:spPr>
           <a:xfrm>
-            <a:off x="2550694" y="1748773"/>
-            <a:ext cx="2610853" cy="794084"/>
-          </a:xfrm>
-          <a:prstGeom prst="rightArrow">
+            <a:off x="1425743" y="3164307"/>
+            <a:ext cx="649704" cy="1287379"/>
+          </a:xfrm>
+          <a:prstGeom prst="downArrow">
             <a:avLst/>
           </a:prstGeom>
         </p:spPr>
@@ -6958,14 +6974,14 @@
       </p:sp>
       <p:sp>
         <p:nvSpPr>
-          <p:cNvPr id="15" name="TextBox 14"/>
+          <p:cNvPr id="9" name="TextBox 8"/>
           <p:cNvSpPr txBox="1"/>
           <p:nvPr/>
         </p:nvSpPr>
         <p:spPr>
           <a:xfrm>
-            <a:off x="2839453" y="2454442"/>
-            <a:ext cx="1744579" cy="369332"/>
+            <a:off x="2695074" y="3708828"/>
+            <a:ext cx="4511842" cy="923330"/>
           </a:xfrm>
           <a:prstGeom prst="rect">
             <a:avLst/>
@@ -6980,35 +6996,35 @@
           <a:p>
             <a:r>
               <a:rPr lang="en-US" dirty="0" smtClean="0"/>
-              <a:t>Contacts Players</a:t>
-            </a:r>
-            <a:endParaRPr lang="en-US" dirty="0"/>
+              <a:t>Manually enters players from registration sheet into database and manually create brackets/initial pairings</a:t>
+            </a:r>
           </a:p>
         </p:txBody>
       </p:sp>
       <p:pic>
         <p:nvPicPr>
-          <p:cNvPr id="16" name="Picture 15"/>
+          <p:cNvPr id="10" name="Picture 9"/>
           <p:cNvPicPr>
             <a:picLocks noChangeAspect="1"/>
           </p:cNvPicPr>
           <p:nvPr/>
         </p:nvPicPr>
-        <p:blipFill rotWithShape="1">
-          <a:blip r:embed="rId3">
+        <p:blipFill>
+          <a:blip r:embed="rId5">
             <a:extLst>
               <a:ext uri="{28A0092B-C50C-407E-A947-70E740481C1C}">
                 <a14:useLocalDpi xmlns:a14="http://schemas.microsoft.com/office/drawing/2010/main" val="0"/>
               </a:ext>
             </a:extLst>
           </a:blip>
-          <a:srcRect l="11324" t="41003" r="6065" b="24839"/>
-          <a:stretch/>
+          <a:stretch>
+            <a:fillRect/>
+          </a:stretch>
         </p:blipFill>
         <p:spPr>
           <a:xfrm>
-            <a:off x="5317958" y="1311442"/>
-            <a:ext cx="5354053" cy="1660358"/>
+            <a:off x="1073817" y="4661687"/>
+            <a:ext cx="1476877" cy="1476877"/>
           </a:xfrm>
           <a:prstGeom prst="rect">
             <a:avLst/>
@@ -7017,14 +7033,14 @@
       </p:pic>
       <p:sp>
         <p:nvSpPr>
-          <p:cNvPr id="17" name="TextBox 16"/>
+          <p:cNvPr id="11" name="TextBox 10"/>
           <p:cNvSpPr txBox="1"/>
           <p:nvPr/>
         </p:nvSpPr>
         <p:spPr>
           <a:xfrm>
-            <a:off x="7555831" y="2787134"/>
-            <a:ext cx="878305" cy="369332"/>
+            <a:off x="1073817" y="6186873"/>
+            <a:ext cx="1476877" cy="369332"/>
           </a:xfrm>
           <a:prstGeom prst="rect">
             <a:avLst/>
@@ -7037,9 +7053,10 @@
           </a:bodyPr>
           <a:lstStyle/>
           <a:p>
+            <a:pPr algn="ctr"/>
             <a:r>
               <a:rPr lang="en-US" dirty="0" smtClean="0"/>
-              <a:t>Players</a:t>
+              <a:t>Database</a:t>
             </a:r>
             <a:endParaRPr lang="en-US" dirty="0"/>
           </a:p>
@@ -7047,16 +7064,16 @@
       </p:sp>
       <p:sp>
         <p:nvSpPr>
-          <p:cNvPr id="2" name="Down Arrow 1"/>
+          <p:cNvPr id="12" name="Left Arrow 11"/>
           <p:cNvSpPr/>
           <p:nvPr/>
         </p:nvSpPr>
         <p:spPr>
           <a:xfrm>
-            <a:off x="7670131" y="3160113"/>
-            <a:ext cx="649704" cy="1287379"/>
-          </a:xfrm>
-          <a:prstGeom prst="downArrow">
+            <a:off x="2827421" y="5161547"/>
+            <a:ext cx="3970421" cy="589548"/>
+          </a:xfrm>
+          <a:prstGeom prst="leftArrow">
             <a:avLst/>
           </a:prstGeom>
         </p:spPr>
@@ -7085,100 +7102,10 @@
           </a:p>
         </p:txBody>
       </p:sp>
-      <p:sp>
-        <p:nvSpPr>
-          <p:cNvPr id="6" name="TextBox 5"/>
-          <p:cNvSpPr txBox="1"/>
-          <p:nvPr/>
-        </p:nvSpPr>
-        <p:spPr>
-          <a:xfrm>
-            <a:off x="8434135" y="3619136"/>
-            <a:ext cx="2532649" cy="369332"/>
-          </a:xfrm>
-          <a:prstGeom prst="rect">
-            <a:avLst/>
-          </a:prstGeom>
-          <a:noFill/>
-        </p:spPr>
-        <p:txBody>
-          <a:bodyPr wrap="square" rtlCol="0">
-            <a:spAutoFit/>
-          </a:bodyPr>
-          <a:lstStyle/>
-          <a:p>
-            <a:r>
-              <a:rPr lang="en-US" dirty="0" smtClean="0"/>
-              <a:t>Signs up for tournament</a:t>
-            </a:r>
-            <a:endParaRPr lang="en-US" dirty="0"/>
-          </a:p>
-        </p:txBody>
-      </p:sp>
-      <p:pic>
-        <p:nvPicPr>
-          <p:cNvPr id="7" name="Picture 6"/>
-          <p:cNvPicPr>
-            <a:picLocks noChangeAspect="1"/>
-          </p:cNvPicPr>
-          <p:nvPr/>
-        </p:nvPicPr>
-        <p:blipFill rotWithShape="1">
-          <a:blip r:embed="rId4">
-            <a:extLst>
-              <a:ext uri="{28A0092B-C50C-407E-A947-70E740481C1C}">
-                <a14:useLocalDpi xmlns:a14="http://schemas.microsoft.com/office/drawing/2010/main" val="0"/>
-              </a:ext>
-            </a:extLst>
-          </a:blip>
-          <a:srcRect l="26448" t="43798" r="23684" b="3044"/>
-          <a:stretch/>
-        </p:blipFill>
-        <p:spPr>
-          <a:xfrm>
-            <a:off x="7055878" y="4632158"/>
-            <a:ext cx="1878209" cy="1501576"/>
-          </a:xfrm>
-          <a:prstGeom prst="rect">
-            <a:avLst/>
-          </a:prstGeom>
-        </p:spPr>
-      </p:pic>
-      <p:sp>
-        <p:nvSpPr>
-          <p:cNvPr id="8" name="TextBox 7"/>
-          <p:cNvSpPr txBox="1"/>
-          <p:nvPr/>
-        </p:nvSpPr>
-        <p:spPr>
-          <a:xfrm>
-            <a:off x="6987015" y="6133734"/>
-            <a:ext cx="2015933" cy="369332"/>
-          </a:xfrm>
-          <a:prstGeom prst="rect">
-            <a:avLst/>
-          </a:prstGeom>
-          <a:noFill/>
-        </p:spPr>
-        <p:txBody>
-          <a:bodyPr wrap="square" rtlCol="0">
-            <a:spAutoFit/>
-          </a:bodyPr>
-          <a:lstStyle/>
-          <a:p>
-            <a:pPr algn="ctr"/>
-            <a:r>
-              <a:rPr lang="en-US" dirty="0" smtClean="0"/>
-              <a:t>Registration</a:t>
-            </a:r>
-            <a:endParaRPr lang="en-US" dirty="0"/>
-          </a:p>
-        </p:txBody>
-      </p:sp>
     </p:spTree>
     <p:extLst>
       <p:ext uri="{BB962C8B-B14F-4D97-AF65-F5344CB8AC3E}">
-        <p14:creationId xmlns:p14="http://schemas.microsoft.com/office/powerpoint/2010/main" val="1693018425"/>
+        <p14:creationId xmlns:p14="http://schemas.microsoft.com/office/powerpoint/2010/main" val="1199124896"/>
       </p:ext>
     </p:extLst>
   </p:cSld>
@@ -7259,9 +7186,6 @@
               </a:rPr>
               <a:t>Organizing Tournaments Now</a:t>
             </a:r>
-            <a:endParaRPr lang="en-US" sz="4800" dirty="0" smtClean="0">
-              <a:ea typeface="ONRAMP" pitchFamily="2" charset="0"/>
-            </a:endParaRPr>
           </a:p>
         </p:txBody>
       </p:sp>
@@ -7386,13 +7310,13 @@
       </p:sp>
       <p:pic>
         <p:nvPicPr>
-          <p:cNvPr id="7" name="Picture 6"/>
+          <p:cNvPr id="10" name="Picture 9"/>
           <p:cNvPicPr>
             <a:picLocks noChangeAspect="1"/>
           </p:cNvPicPr>
           <p:nvPr/>
         </p:nvPicPr>
-        <p:blipFill rotWithShape="1">
+        <p:blipFill>
           <a:blip r:embed="rId4">
             <a:extLst>
               <a:ext uri="{28A0092B-C50C-407E-A947-70E740481C1C}">
@@ -7400,13 +7324,14 @@
               </a:ext>
             </a:extLst>
           </a:blip>
-          <a:srcRect l="26448" t="43798" r="23684" b="3044"/>
-          <a:stretch/>
+          <a:stretch>
+            <a:fillRect/>
+          </a:stretch>
         </p:blipFill>
         <p:spPr>
           <a:xfrm>
-            <a:off x="7055878" y="4632158"/>
-            <a:ext cx="1878209" cy="1501576"/>
+            <a:off x="1073817" y="4661687"/>
+            <a:ext cx="1476877" cy="1476877"/>
           </a:xfrm>
           <a:prstGeom prst="rect">
             <a:avLst/>
@@ -7415,47 +7340,16 @@
       </p:pic>
       <p:sp>
         <p:nvSpPr>
-          <p:cNvPr id="8" name="TextBox 7"/>
-          <p:cNvSpPr txBox="1"/>
-          <p:nvPr/>
-        </p:nvSpPr>
-        <p:spPr>
-          <a:xfrm>
-            <a:off x="6987015" y="6133734"/>
-            <a:ext cx="2015933" cy="369332"/>
-          </a:xfrm>
-          <a:prstGeom prst="rect">
-            <a:avLst/>
-          </a:prstGeom>
-          <a:noFill/>
-        </p:spPr>
-        <p:txBody>
-          <a:bodyPr wrap="square" rtlCol="0">
-            <a:spAutoFit/>
-          </a:bodyPr>
-          <a:lstStyle/>
-          <a:p>
-            <a:pPr algn="ctr"/>
-            <a:r>
-              <a:rPr lang="en-US" dirty="0" smtClean="0"/>
-              <a:t>Registration</a:t>
-            </a:r>
-            <a:endParaRPr lang="en-US" dirty="0"/>
-          </a:p>
-        </p:txBody>
-      </p:sp>
-      <p:sp>
-        <p:nvSpPr>
-          <p:cNvPr id="13" name="Down Arrow 12"/>
+          <p:cNvPr id="14" name="Right Arrow 13"/>
           <p:cNvSpPr/>
           <p:nvPr/>
         </p:nvSpPr>
         <p:spPr>
-          <a:xfrm>
-            <a:off x="1425743" y="3164307"/>
-            <a:ext cx="649704" cy="1287379"/>
-          </a:xfrm>
-          <a:prstGeom prst="downArrow">
+          <a:xfrm rot="10800000">
+            <a:off x="2550694" y="1748773"/>
+            <a:ext cx="2610853" cy="794084"/>
+          </a:xfrm>
+          <a:prstGeom prst="rightArrow">
             <a:avLst/>
           </a:prstGeom>
         </p:spPr>
@@ -7486,14 +7380,14 @@
       </p:sp>
       <p:sp>
         <p:nvSpPr>
-          <p:cNvPr id="9" name="TextBox 8"/>
+          <p:cNvPr id="15" name="TextBox 14"/>
           <p:cNvSpPr txBox="1"/>
           <p:nvPr/>
         </p:nvSpPr>
         <p:spPr>
           <a:xfrm>
-            <a:off x="2695074" y="3708828"/>
-            <a:ext cx="4511842" cy="923330"/>
+            <a:off x="1073817" y="6186873"/>
+            <a:ext cx="1476877" cy="369332"/>
           </a:xfrm>
           <a:prstGeom prst="rect">
             <a:avLst/>
@@ -7506,43 +7400,15 @@
           </a:bodyPr>
           <a:lstStyle/>
           <a:p>
+            <a:pPr algn="ctr"/>
             <a:r>
               <a:rPr lang="en-US" dirty="0" smtClean="0"/>
-              <a:t>Manually enters players from registration sheet into database and manually create brackets/initial pairings</a:t>
-            </a:r>
-          </a:p>
-        </p:txBody>
-      </p:sp>
-      <p:pic>
-        <p:nvPicPr>
-          <p:cNvPr id="10" name="Picture 9"/>
-          <p:cNvPicPr>
-            <a:picLocks noChangeAspect="1"/>
-          </p:cNvPicPr>
-          <p:nvPr/>
-        </p:nvPicPr>
-        <p:blipFill>
-          <a:blip r:embed="rId5">
-            <a:extLst>
-              <a:ext uri="{28A0092B-C50C-407E-A947-70E740481C1C}">
-                <a14:useLocalDpi xmlns:a14="http://schemas.microsoft.com/office/drawing/2010/main" val="0"/>
-              </a:ext>
-            </a:extLst>
-          </a:blip>
-          <a:stretch>
-            <a:fillRect/>
-          </a:stretch>
-        </p:blipFill>
-        <p:spPr>
-          <a:xfrm>
-            <a:off x="1073817" y="4661687"/>
-            <a:ext cx="1476877" cy="1476877"/>
-          </a:xfrm>
-          <a:prstGeom prst="rect">
-            <a:avLst/>
-          </a:prstGeom>
-        </p:spPr>
-      </p:pic>
+              <a:t>Database</a:t>
+            </a:r>
+            <a:endParaRPr lang="en-US" dirty="0"/>
+          </a:p>
+        </p:txBody>
+      </p:sp>
       <p:sp>
         <p:nvSpPr>
           <p:cNvPr id="11" name="TextBox 10"/>
@@ -7551,8 +7417,8 @@
         </p:nvSpPr>
         <p:spPr>
           <a:xfrm>
-            <a:off x="1073817" y="6186873"/>
-            <a:ext cx="1476877" cy="369332"/>
+            <a:off x="3007895" y="2618693"/>
+            <a:ext cx="1997242" cy="369332"/>
           </a:xfrm>
           <a:prstGeom prst="rect">
             <a:avLst/>
@@ -7568,56 +7434,16 @@
             <a:pPr algn="ctr"/>
             <a:r>
               <a:rPr lang="en-US" dirty="0" smtClean="0"/>
-              <a:t>Database</a:t>
+              <a:t>Pays entry fee</a:t>
             </a:r>
             <a:endParaRPr lang="en-US" dirty="0"/>
-          </a:p>
-        </p:txBody>
-      </p:sp>
-      <p:sp>
-        <p:nvSpPr>
-          <p:cNvPr id="12" name="Left Arrow 11"/>
-          <p:cNvSpPr/>
-          <p:nvPr/>
-        </p:nvSpPr>
-        <p:spPr>
-          <a:xfrm>
-            <a:off x="2827421" y="5161547"/>
-            <a:ext cx="3970421" cy="589548"/>
-          </a:xfrm>
-          <a:prstGeom prst="leftArrow">
-            <a:avLst/>
-          </a:prstGeom>
-        </p:spPr>
-        <p:style>
-          <a:lnRef idx="2">
-            <a:schemeClr val="accent1">
-              <a:shade val="50000"/>
-            </a:schemeClr>
-          </a:lnRef>
-          <a:fillRef idx="1">
-            <a:schemeClr val="accent1"/>
-          </a:fillRef>
-          <a:effectRef idx="0">
-            <a:schemeClr val="accent1"/>
-          </a:effectRef>
-          <a:fontRef idx="minor">
-            <a:schemeClr val="lt1"/>
-          </a:fontRef>
-        </p:style>
-        <p:txBody>
-          <a:bodyPr rtlCol="0" anchor="ctr"/>
-          <a:lstStyle/>
-          <a:p>
-            <a:pPr algn="ctr"/>
-            <a:endParaRPr lang="en-US"/>
           </a:p>
         </p:txBody>
       </p:sp>
     </p:spTree>
     <p:extLst>
       <p:ext uri="{BB962C8B-B14F-4D97-AF65-F5344CB8AC3E}">
-        <p14:creationId xmlns:p14="http://schemas.microsoft.com/office/powerpoint/2010/main" val="1199124896"/>
+        <p14:creationId xmlns:p14="http://schemas.microsoft.com/office/powerpoint/2010/main" val="3086042038"/>
       </p:ext>
     </p:extLst>
   </p:cSld>
@@ -7698,9 +7524,6 @@
               </a:rPr>
               <a:t>Organizing Tournaments Now</a:t>
             </a:r>
-            <a:endParaRPr lang="en-US" sz="4800" dirty="0" smtClean="0">
-              <a:ea typeface="ONRAMP" pitchFamily="2" charset="0"/>
-            </a:endParaRPr>
           </a:p>
         </p:txBody>
       </p:sp>
@@ -7823,48 +7646,18 @@
           </a:p>
         </p:txBody>
       </p:sp>
-      <p:pic>
-        <p:nvPicPr>
-          <p:cNvPr id="10" name="Picture 9"/>
-          <p:cNvPicPr>
-            <a:picLocks noChangeAspect="1"/>
-          </p:cNvPicPr>
-          <p:nvPr/>
-        </p:nvPicPr>
-        <p:blipFill>
-          <a:blip r:embed="rId4">
-            <a:extLst>
-              <a:ext uri="{28A0092B-C50C-407E-A947-70E740481C1C}">
-                <a14:useLocalDpi xmlns:a14="http://schemas.microsoft.com/office/drawing/2010/main" val="0"/>
-              </a:ext>
-            </a:extLst>
-          </a:blip>
-          <a:stretch>
-            <a:fillRect/>
-          </a:stretch>
-        </p:blipFill>
-        <p:spPr>
-          <a:xfrm>
-            <a:off x="1073817" y="4661687"/>
-            <a:ext cx="1476877" cy="1476877"/>
-          </a:xfrm>
-          <a:prstGeom prst="rect">
-            <a:avLst/>
-          </a:prstGeom>
-        </p:spPr>
-      </p:pic>
-      <p:sp>
-        <p:nvSpPr>
-          <p:cNvPr id="14" name="Right Arrow 13"/>
+      <p:sp>
+        <p:nvSpPr>
+          <p:cNvPr id="13" name="Down Arrow 12"/>
           <p:cNvSpPr/>
           <p:nvPr/>
         </p:nvSpPr>
         <p:spPr>
-          <a:xfrm rot="10800000">
-            <a:off x="2550694" y="1748773"/>
-            <a:ext cx="2610853" cy="794084"/>
-          </a:xfrm>
-          <a:prstGeom prst="rightArrow">
+          <a:xfrm>
+            <a:off x="1425743" y="3164307"/>
+            <a:ext cx="649704" cy="1287379"/>
+          </a:xfrm>
+          <a:prstGeom prst="downArrow">
             <a:avLst/>
           </a:prstGeom>
         </p:spPr>
@@ -7895,14 +7688,14 @@
       </p:sp>
       <p:sp>
         <p:nvSpPr>
-          <p:cNvPr id="15" name="TextBox 14"/>
+          <p:cNvPr id="9" name="TextBox 8"/>
           <p:cNvSpPr txBox="1"/>
           <p:nvPr/>
         </p:nvSpPr>
         <p:spPr>
           <a:xfrm>
-            <a:off x="1073817" y="6186873"/>
-            <a:ext cx="1476877" cy="369332"/>
+            <a:off x="2075448" y="3320716"/>
+            <a:ext cx="2833436" cy="646331"/>
           </a:xfrm>
           <a:prstGeom prst="rect">
             <a:avLst/>
@@ -7915,25 +7708,53 @@
           </a:bodyPr>
           <a:lstStyle/>
           <a:p>
-            <a:pPr algn="ctr"/>
             <a:r>
               <a:rPr lang="en-US" dirty="0" smtClean="0"/>
-              <a:t>Database</a:t>
-            </a:r>
-            <a:endParaRPr lang="en-US" dirty="0"/>
-          </a:p>
-        </p:txBody>
-      </p:sp>
-      <p:sp>
-        <p:nvSpPr>
-          <p:cNvPr id="11" name="TextBox 10"/>
+              <a:t>Manually advance bracket and create new pairings</a:t>
+            </a:r>
+          </a:p>
+        </p:txBody>
+      </p:sp>
+      <p:pic>
+        <p:nvPicPr>
+          <p:cNvPr id="10" name="Picture 9"/>
+          <p:cNvPicPr>
+            <a:picLocks noChangeAspect="1"/>
+          </p:cNvPicPr>
+          <p:nvPr/>
+        </p:nvPicPr>
+        <p:blipFill>
+          <a:blip r:embed="rId4">
+            <a:extLst>
+              <a:ext uri="{28A0092B-C50C-407E-A947-70E740481C1C}">
+                <a14:useLocalDpi xmlns:a14="http://schemas.microsoft.com/office/drawing/2010/main" val="0"/>
+              </a:ext>
+            </a:extLst>
+          </a:blip>
+          <a:stretch>
+            <a:fillRect/>
+          </a:stretch>
+        </p:blipFill>
+        <p:spPr>
+          <a:xfrm>
+            <a:off x="1073817" y="4661687"/>
+            <a:ext cx="1476877" cy="1476877"/>
+          </a:xfrm>
+          <a:prstGeom prst="rect">
+            <a:avLst/>
+          </a:prstGeom>
+        </p:spPr>
+      </p:pic>
+      <p:sp>
+        <p:nvSpPr>
+          <p:cNvPr id="18" name="TextBox 17"/>
           <p:cNvSpPr txBox="1"/>
           <p:nvPr/>
         </p:nvSpPr>
         <p:spPr>
           <a:xfrm>
-            <a:off x="3007895" y="2618693"/>
-            <a:ext cx="1997242" cy="369332"/>
+            <a:off x="1073817" y="6186873"/>
+            <a:ext cx="1476877" cy="369332"/>
           </a:xfrm>
           <a:prstGeom prst="rect">
             <a:avLst/>
@@ -7949,7 +7770,159 @@
             <a:pPr algn="ctr"/>
             <a:r>
               <a:rPr lang="en-US" dirty="0" smtClean="0"/>
-              <a:t>Pays entry fee</a:t>
+              <a:t>Database</a:t>
+            </a:r>
+            <a:endParaRPr lang="en-US" dirty="0"/>
+          </a:p>
+        </p:txBody>
+      </p:sp>
+      <p:sp>
+        <p:nvSpPr>
+          <p:cNvPr id="11" name="U-Turn Arrow 10"/>
+          <p:cNvSpPr/>
+          <p:nvPr/>
+        </p:nvSpPr>
+        <p:spPr>
+          <a:xfrm rot="10800000">
+            <a:off x="7407987" y="3300300"/>
+            <a:ext cx="1026149" cy="1497380"/>
+          </a:xfrm>
+          <a:prstGeom prst="uturnArrow">
+            <a:avLst>
+              <a:gd name="adj1" fmla="val 26173"/>
+              <a:gd name="adj2" fmla="val 25000"/>
+              <a:gd name="adj3" fmla="val 25000"/>
+              <a:gd name="adj4" fmla="val 44043"/>
+              <a:gd name="adj5" fmla="val 100000"/>
+            </a:avLst>
+          </a:prstGeom>
+        </p:spPr>
+        <p:style>
+          <a:lnRef idx="2">
+            <a:schemeClr val="accent1">
+              <a:shade val="50000"/>
+            </a:schemeClr>
+          </a:lnRef>
+          <a:fillRef idx="1">
+            <a:schemeClr val="accent1"/>
+          </a:fillRef>
+          <a:effectRef idx="0">
+            <a:schemeClr val="accent1"/>
+          </a:effectRef>
+          <a:fontRef idx="minor">
+            <a:schemeClr val="lt1"/>
+          </a:fontRef>
+        </p:style>
+        <p:txBody>
+          <a:bodyPr rtlCol="0" anchor="ctr"/>
+          <a:lstStyle/>
+          <a:p>
+            <a:pPr algn="ctr"/>
+            <a:endParaRPr lang="en-US">
+              <a:solidFill>
+                <a:schemeClr val="tx1"/>
+              </a:solidFill>
+            </a:endParaRPr>
+          </a:p>
+        </p:txBody>
+      </p:sp>
+      <p:sp>
+        <p:nvSpPr>
+          <p:cNvPr id="12" name="TextBox 11"/>
+          <p:cNvSpPr txBox="1"/>
+          <p:nvPr/>
+        </p:nvSpPr>
+        <p:spPr>
+          <a:xfrm>
+            <a:off x="7050502" y="4797680"/>
+            <a:ext cx="1888959" cy="369332"/>
+          </a:xfrm>
+          <a:prstGeom prst="rect">
+            <a:avLst/>
+          </a:prstGeom>
+          <a:noFill/>
+        </p:spPr>
+        <p:txBody>
+          <a:bodyPr wrap="square" rtlCol="0">
+            <a:spAutoFit/>
+          </a:bodyPr>
+          <a:lstStyle/>
+          <a:p>
+            <a:pPr algn="ctr"/>
+            <a:r>
+              <a:rPr lang="en-US" dirty="0" smtClean="0"/>
+              <a:t>Players compete </a:t>
+            </a:r>
+            <a:endParaRPr lang="en-US" dirty="0"/>
+          </a:p>
+        </p:txBody>
+      </p:sp>
+      <p:sp>
+        <p:nvSpPr>
+          <p:cNvPr id="19" name="Right Arrow 18"/>
+          <p:cNvSpPr/>
+          <p:nvPr/>
+        </p:nvSpPr>
+        <p:spPr>
+          <a:xfrm rot="10800000">
+            <a:off x="2550694" y="1748773"/>
+            <a:ext cx="2610853" cy="794084"/>
+          </a:xfrm>
+          <a:prstGeom prst="rightArrow">
+            <a:avLst/>
+          </a:prstGeom>
+        </p:spPr>
+        <p:style>
+          <a:lnRef idx="2">
+            <a:schemeClr val="accent1">
+              <a:shade val="50000"/>
+            </a:schemeClr>
+          </a:lnRef>
+          <a:fillRef idx="1">
+            <a:schemeClr val="accent1"/>
+          </a:fillRef>
+          <a:effectRef idx="0">
+            <a:schemeClr val="accent1"/>
+          </a:effectRef>
+          <a:fontRef idx="minor">
+            <a:schemeClr val="lt1"/>
+          </a:fontRef>
+        </p:style>
+        <p:txBody>
+          <a:bodyPr rtlCol="0" anchor="ctr"/>
+          <a:lstStyle/>
+          <a:p>
+            <a:pPr algn="ctr"/>
+            <a:endParaRPr lang="en-US"/>
+          </a:p>
+        </p:txBody>
+      </p:sp>
+      <p:sp>
+        <p:nvSpPr>
+          <p:cNvPr id="20" name="TextBox 19"/>
+          <p:cNvSpPr txBox="1"/>
+          <p:nvPr/>
+        </p:nvSpPr>
+        <p:spPr>
+          <a:xfrm>
+            <a:off x="3134226" y="2441410"/>
+            <a:ext cx="1744579" cy="369332"/>
+          </a:xfrm>
+          <a:prstGeom prst="rect">
+            <a:avLst/>
+          </a:prstGeom>
+          <a:noFill/>
+        </p:spPr>
+        <p:txBody>
+          <a:bodyPr wrap="square" rtlCol="0">
+            <a:spAutoFit/>
+          </a:bodyPr>
+          <a:lstStyle/>
+          <a:p>
+            <a:pPr algn="ctr"/>
+            <a:r>
+              <a:rPr lang="en-US" dirty="0" smtClean="0"/>
+              <a:t>Give Results</a:t>
             </a:r>
             <a:endParaRPr lang="en-US" dirty="0"/>
           </a:p>
@@ -7958,7 +7931,7 @@
     </p:spTree>
     <p:extLst>
       <p:ext uri="{BB962C8B-B14F-4D97-AF65-F5344CB8AC3E}">
-        <p14:creationId xmlns:p14="http://schemas.microsoft.com/office/powerpoint/2010/main" val="3086042038"/>
+        <p14:creationId xmlns:p14="http://schemas.microsoft.com/office/powerpoint/2010/main" val="1171347723"/>
       </p:ext>
     </p:extLst>
   </p:cSld>
@@ -8039,9 +8012,6 @@
               </a:rPr>
               <a:t>Organizing Tournaments Now</a:t>
             </a:r>
-            <a:endParaRPr lang="en-US" sz="4800" dirty="0" smtClean="0">
-              <a:ea typeface="ONRAMP" pitchFamily="2" charset="0"/>
-            </a:endParaRPr>
           </a:p>
         </p:txBody>
       </p:sp>
@@ -8105,77 +8075,18 @@
           </a:p>
         </p:txBody>
       </p:sp>
-      <p:pic>
-        <p:nvPicPr>
-          <p:cNvPr id="16" name="Picture 15"/>
-          <p:cNvPicPr>
-            <a:picLocks noChangeAspect="1"/>
-          </p:cNvPicPr>
-          <p:nvPr/>
-        </p:nvPicPr>
-        <p:blipFill rotWithShape="1">
-          <a:blip r:embed="rId3">
-            <a:extLst>
-              <a:ext uri="{28A0092B-C50C-407E-A947-70E740481C1C}">
-                <a14:useLocalDpi xmlns:a14="http://schemas.microsoft.com/office/drawing/2010/main" val="0"/>
-              </a:ext>
-            </a:extLst>
-          </a:blip>
-          <a:srcRect l="11324" t="41003" r="6065" b="24839"/>
-          <a:stretch/>
-        </p:blipFill>
-        <p:spPr>
-          <a:xfrm>
-            <a:off x="5317958" y="1311442"/>
-            <a:ext cx="5354053" cy="1660358"/>
-          </a:xfrm>
-          <a:prstGeom prst="rect">
-            <a:avLst/>
-          </a:prstGeom>
-        </p:spPr>
-      </p:pic>
-      <p:sp>
-        <p:nvSpPr>
-          <p:cNvPr id="17" name="TextBox 16"/>
-          <p:cNvSpPr txBox="1"/>
-          <p:nvPr/>
-        </p:nvSpPr>
-        <p:spPr>
-          <a:xfrm>
-            <a:off x="7555831" y="2787134"/>
-            <a:ext cx="878305" cy="369332"/>
-          </a:xfrm>
-          <a:prstGeom prst="rect">
-            <a:avLst/>
-          </a:prstGeom>
-          <a:noFill/>
-        </p:spPr>
-        <p:txBody>
-          <a:bodyPr wrap="square" rtlCol="0">
-            <a:spAutoFit/>
-          </a:bodyPr>
-          <a:lstStyle/>
-          <a:p>
-            <a:r>
-              <a:rPr lang="en-US" dirty="0" smtClean="0"/>
-              <a:t>Players</a:t>
-            </a:r>
-            <a:endParaRPr lang="en-US" dirty="0"/>
-          </a:p>
-        </p:txBody>
-      </p:sp>
-      <p:sp>
-        <p:nvSpPr>
-          <p:cNvPr id="13" name="Down Arrow 12"/>
+      <p:sp>
+        <p:nvSpPr>
+          <p:cNvPr id="14" name="Right Arrow 13"/>
           <p:cNvSpPr/>
           <p:nvPr/>
         </p:nvSpPr>
         <p:spPr>
           <a:xfrm>
-            <a:off x="1425743" y="3164307"/>
-            <a:ext cx="649704" cy="1287379"/>
-          </a:xfrm>
-          <a:prstGeom prst="downArrow">
+            <a:off x="2550694" y="1748773"/>
+            <a:ext cx="2610853" cy="794084"/>
+          </a:xfrm>
+          <a:prstGeom prst="rightArrow">
             <a:avLst/>
           </a:prstGeom>
         </p:spPr>
@@ -8206,14 +8117,14 @@
       </p:sp>
       <p:sp>
         <p:nvSpPr>
-          <p:cNvPr id="9" name="TextBox 8"/>
+          <p:cNvPr id="15" name="TextBox 14"/>
           <p:cNvSpPr txBox="1"/>
           <p:nvPr/>
         </p:nvSpPr>
         <p:spPr>
           <a:xfrm>
-            <a:off x="2075448" y="3320716"/>
-            <a:ext cx="2833436" cy="646331"/>
+            <a:off x="2722145" y="2455722"/>
+            <a:ext cx="2093494" cy="646331"/>
           </a:xfrm>
           <a:prstGeom prst="rect">
             <a:avLst/>
@@ -8228,14 +8139,74 @@
           <a:p>
             <a:r>
               <a:rPr lang="en-US" dirty="0" smtClean="0"/>
-              <a:t>Manually advance bracket and create new pairings</a:t>
-            </a:r>
+              <a:t>Manual prizing to winners</a:t>
+            </a:r>
+            <a:endParaRPr lang="en-US" dirty="0"/>
           </a:p>
         </p:txBody>
       </p:sp>
       <p:pic>
         <p:nvPicPr>
-          <p:cNvPr id="10" name="Picture 9"/>
+          <p:cNvPr id="16" name="Picture 15"/>
+          <p:cNvPicPr>
+            <a:picLocks noChangeAspect="1"/>
+          </p:cNvPicPr>
+          <p:nvPr/>
+        </p:nvPicPr>
+        <p:blipFill rotWithShape="1">
+          <a:blip r:embed="rId3">
+            <a:extLst>
+              <a:ext uri="{28A0092B-C50C-407E-A947-70E740481C1C}">
+                <a14:useLocalDpi xmlns:a14="http://schemas.microsoft.com/office/drawing/2010/main" val="0"/>
+              </a:ext>
+            </a:extLst>
+          </a:blip>
+          <a:srcRect l="11324" t="41003" r="6065" b="24839"/>
+          <a:stretch/>
+        </p:blipFill>
+        <p:spPr>
+          <a:xfrm>
+            <a:off x="5317958" y="1311442"/>
+            <a:ext cx="5354053" cy="1660358"/>
+          </a:xfrm>
+          <a:prstGeom prst="rect">
+            <a:avLst/>
+          </a:prstGeom>
+        </p:spPr>
+      </p:pic>
+      <p:sp>
+        <p:nvSpPr>
+          <p:cNvPr id="17" name="TextBox 16"/>
+          <p:cNvSpPr txBox="1"/>
+          <p:nvPr/>
+        </p:nvSpPr>
+        <p:spPr>
+          <a:xfrm>
+            <a:off x="7555831" y="2787134"/>
+            <a:ext cx="878305" cy="369332"/>
+          </a:xfrm>
+          <a:prstGeom prst="rect">
+            <a:avLst/>
+          </a:prstGeom>
+          <a:noFill/>
+        </p:spPr>
+        <p:txBody>
+          <a:bodyPr wrap="square" rtlCol="0">
+            <a:spAutoFit/>
+          </a:bodyPr>
+          <a:lstStyle/>
+          <a:p>
+            <a:r>
+              <a:rPr lang="en-US" dirty="0" smtClean="0"/>
+              <a:t>Players</a:t>
+            </a:r>
+            <a:endParaRPr lang="en-US" dirty="0"/>
+          </a:p>
+        </p:txBody>
+      </p:sp>
+      <p:pic>
+        <p:nvPicPr>
+          <p:cNvPr id="19" name="Picture 18"/>
           <p:cNvPicPr>
             <a:picLocks noChangeAspect="1"/>
           </p:cNvPicPr>
@@ -8265,7 +8236,7 @@
       </p:pic>
       <p:sp>
         <p:nvSpPr>
-          <p:cNvPr id="18" name="TextBox 17"/>
+          <p:cNvPr id="20" name="TextBox 19"/>
           <p:cNvSpPr txBox="1"/>
           <p:nvPr/>
         </p:nvSpPr>
@@ -8296,23 +8267,17 @@
       </p:sp>
       <p:sp>
         <p:nvSpPr>
-          <p:cNvPr id="11" name="U-Turn Arrow 10"/>
+          <p:cNvPr id="21" name="Down Arrow 20"/>
           <p:cNvSpPr/>
           <p:nvPr/>
         </p:nvSpPr>
         <p:spPr>
           <a:xfrm rot="10800000">
-            <a:off x="7407987" y="3300300"/>
-            <a:ext cx="1026149" cy="1497380"/>
-          </a:xfrm>
-          <a:prstGeom prst="uturnArrow">
-            <a:avLst>
-              <a:gd name="adj1" fmla="val 26173"/>
-              <a:gd name="adj2" fmla="val 25000"/>
-              <a:gd name="adj3" fmla="val 25000"/>
-              <a:gd name="adj4" fmla="val 44043"/>
-              <a:gd name="adj5" fmla="val 100000"/>
-            </a:avLst>
+            <a:off x="1425743" y="3164307"/>
+            <a:ext cx="649704" cy="1287379"/>
+          </a:xfrm>
+          <a:prstGeom prst="downArrow">
+            <a:avLst/>
           </a:prstGeom>
         </p:spPr>
         <p:style>
@@ -8336,11 +8301,7 @@
           <a:lstStyle/>
           <a:p>
             <a:pPr algn="ctr"/>
-            <a:endParaRPr lang="en-US">
-              <a:solidFill>
-                <a:schemeClr val="tx1"/>
-              </a:solidFill>
-            </a:endParaRPr>
+            <a:endParaRPr lang="en-US"/>
           </a:p>
         </p:txBody>
       </p:sp>
@@ -8352,8 +8313,8 @@
         </p:nvSpPr>
         <p:spPr>
           <a:xfrm>
-            <a:off x="7050502" y="4797680"/>
-            <a:ext cx="1888959" cy="369332"/>
+            <a:off x="2201778" y="3708460"/>
+            <a:ext cx="2165685" cy="369332"/>
           </a:xfrm>
           <a:prstGeom prst="rect">
             <a:avLst/>
@@ -8366,81 +8327,9 @@
           </a:bodyPr>
           <a:lstStyle/>
           <a:p>
-            <a:pPr algn="ctr"/>
             <a:r>
               <a:rPr lang="en-US" dirty="0" smtClean="0"/>
-              <a:t>Players compete </a:t>
-            </a:r>
-            <a:endParaRPr lang="en-US" dirty="0"/>
-          </a:p>
-        </p:txBody>
-      </p:sp>
-      <p:sp>
-        <p:nvSpPr>
-          <p:cNvPr id="19" name="Right Arrow 18"/>
-          <p:cNvSpPr/>
-          <p:nvPr/>
-        </p:nvSpPr>
-        <p:spPr>
-          <a:xfrm rot="10800000">
-            <a:off x="2550694" y="1748773"/>
-            <a:ext cx="2610853" cy="794084"/>
-          </a:xfrm>
-          <a:prstGeom prst="rightArrow">
-            <a:avLst/>
-          </a:prstGeom>
-        </p:spPr>
-        <p:style>
-          <a:lnRef idx="2">
-            <a:schemeClr val="accent1">
-              <a:shade val="50000"/>
-            </a:schemeClr>
-          </a:lnRef>
-          <a:fillRef idx="1">
-            <a:schemeClr val="accent1"/>
-          </a:fillRef>
-          <a:effectRef idx="0">
-            <a:schemeClr val="accent1"/>
-          </a:effectRef>
-          <a:fontRef idx="minor">
-            <a:schemeClr val="lt1"/>
-          </a:fontRef>
-        </p:style>
-        <p:txBody>
-          <a:bodyPr rtlCol="0" anchor="ctr"/>
-          <a:lstStyle/>
-          <a:p>
-            <a:pPr algn="ctr"/>
-            <a:endParaRPr lang="en-US"/>
-          </a:p>
-        </p:txBody>
-      </p:sp>
-      <p:sp>
-        <p:nvSpPr>
-          <p:cNvPr id="20" name="TextBox 19"/>
-          <p:cNvSpPr txBox="1"/>
-          <p:nvPr/>
-        </p:nvSpPr>
-        <p:spPr>
-          <a:xfrm>
-            <a:off x="3134226" y="2441410"/>
-            <a:ext cx="1744579" cy="369332"/>
-          </a:xfrm>
-          <a:prstGeom prst="rect">
-            <a:avLst/>
-          </a:prstGeom>
-          <a:noFill/>
-        </p:spPr>
-        <p:txBody>
-          <a:bodyPr wrap="square" rtlCol="0">
-            <a:spAutoFit/>
-          </a:bodyPr>
-          <a:lstStyle/>
-          <a:p>
-            <a:pPr algn="ctr"/>
-            <a:r>
-              <a:rPr lang="en-US" dirty="0" smtClean="0"/>
-              <a:t>Give Results</a:t>
+              <a:t>Determines rankings</a:t>
             </a:r>
             <a:endParaRPr lang="en-US" dirty="0"/>
           </a:p>
@@ -8449,7 +8338,7 @@
     </p:spTree>
     <p:extLst>
       <p:ext uri="{BB962C8B-B14F-4D97-AF65-F5344CB8AC3E}">
-        <p14:creationId xmlns:p14="http://schemas.microsoft.com/office/powerpoint/2010/main" val="1171347723"/>
+        <p14:creationId xmlns:p14="http://schemas.microsoft.com/office/powerpoint/2010/main" val="1279319961"/>
       </p:ext>
     </p:extLst>
   </p:cSld>
